--- a/ppt 16-9/0427.因为我们.pptx
+++ b/ppt 16-9/0427.因为我们.pptx
@@ -129,7 +129,7 @@
           <p:cNvPr id="2" name="标题 1">
             <a:extLst>
               <a:ext uri="{FF2B5EF4-FFF2-40B4-BE49-F238E27FC236}">
-                <a16:creationId xmlns:a16="http://schemas.microsoft.com/office/drawing/2014/main" id="{6A433302-8A2B-5789-6A36-71DBDE7C560E}"/>
+                <a16:creationId xmlns:a16="http://schemas.microsoft.com/office/drawing/2014/main" id="{829971D5-F525-AF7F-BF0B-0466AA03FDFB}"/>
               </a:ext>
             </a:extLst>
           </p:cNvPr>
@@ -166,7 +166,7 @@
           <p:cNvPr id="3" name="副标题 2">
             <a:extLst>
               <a:ext uri="{FF2B5EF4-FFF2-40B4-BE49-F238E27FC236}">
-                <a16:creationId xmlns:a16="http://schemas.microsoft.com/office/drawing/2014/main" id="{A3ED888F-6458-B9DC-2267-FB59B137FCAA}"/>
+                <a16:creationId xmlns:a16="http://schemas.microsoft.com/office/drawing/2014/main" id="{C31F0B1C-C6CB-85C3-ED94-E57F588F9BB4}"/>
               </a:ext>
             </a:extLst>
           </p:cNvPr>
@@ -236,7 +236,7 @@
           <p:cNvPr id="4" name="日期占位符 3">
             <a:extLst>
               <a:ext uri="{FF2B5EF4-FFF2-40B4-BE49-F238E27FC236}">
-                <a16:creationId xmlns:a16="http://schemas.microsoft.com/office/drawing/2014/main" id="{12C8714C-F14D-2142-4486-6D69F15A6625}"/>
+                <a16:creationId xmlns:a16="http://schemas.microsoft.com/office/drawing/2014/main" id="{F0FC4A35-2DF4-B456-1D4C-5A25064B5727}"/>
               </a:ext>
             </a:extLst>
           </p:cNvPr>
@@ -252,7 +252,7 @@
           <a:bodyPr/>
           <a:lstStyle/>
           <a:p>
-            <a:fld id="{8ED8116E-D118-454E-91A2-320D90EFE5B8}" type="datetimeFigureOut">
+            <a:fld id="{6ADB3D37-4242-40B0-A9BB-B04A82A18DE7}" type="datetimeFigureOut">
               <a:rPr lang="zh-CN" altLang="en-US" smtClean="0"/>
               <a:t>2024/3/10</a:t>
             </a:fld>
@@ -265,7 +265,7 @@
           <p:cNvPr id="5" name="页脚占位符 4">
             <a:extLst>
               <a:ext uri="{FF2B5EF4-FFF2-40B4-BE49-F238E27FC236}">
-                <a16:creationId xmlns:a16="http://schemas.microsoft.com/office/drawing/2014/main" id="{8A1CC000-4ACC-F4C3-BF4E-A07AD81C94BA}"/>
+                <a16:creationId xmlns:a16="http://schemas.microsoft.com/office/drawing/2014/main" id="{63A0FD4D-45EC-AEEA-DBDD-23E9F60B795F}"/>
               </a:ext>
             </a:extLst>
           </p:cNvPr>
@@ -290,7 +290,7 @@
           <p:cNvPr id="6" name="灯片编号占位符 5">
             <a:extLst>
               <a:ext uri="{FF2B5EF4-FFF2-40B4-BE49-F238E27FC236}">
-                <a16:creationId xmlns:a16="http://schemas.microsoft.com/office/drawing/2014/main" id="{B5B61931-31B3-7200-906A-4C4B0BE45554}"/>
+                <a16:creationId xmlns:a16="http://schemas.microsoft.com/office/drawing/2014/main" id="{DC3EBBB2-E837-896E-FF16-6D1B637EDDC0}"/>
               </a:ext>
             </a:extLst>
           </p:cNvPr>
@@ -306,7 +306,7 @@
           <a:bodyPr/>
           <a:lstStyle/>
           <a:p>
-            <a:fld id="{3ED12A52-676F-415D-8686-8AE620F36A7B}" type="slidenum">
+            <a:fld id="{85EEAC3A-673C-44AE-AB73-64D42CAD87FE}" type="slidenum">
               <a:rPr lang="zh-CN" altLang="en-US" smtClean="0"/>
               <a:t>‹#›</a:t>
             </a:fld>
@@ -317,7 +317,7 @@
     </p:spTree>
     <p:extLst>
       <p:ext uri="{BB962C8B-B14F-4D97-AF65-F5344CB8AC3E}">
-        <p14:creationId xmlns:p14="http://schemas.microsoft.com/office/powerpoint/2010/main" val="2983619411"/>
+        <p14:creationId xmlns:p14="http://schemas.microsoft.com/office/powerpoint/2010/main" val="1625726161"/>
       </p:ext>
     </p:extLst>
   </p:cSld>
@@ -349,7 +349,7 @@
           <p:cNvPr id="2" name="标题 1">
             <a:extLst>
               <a:ext uri="{FF2B5EF4-FFF2-40B4-BE49-F238E27FC236}">
-                <a16:creationId xmlns:a16="http://schemas.microsoft.com/office/drawing/2014/main" id="{3A6E8189-E846-E61D-BCEF-AE11CAAAB477}"/>
+                <a16:creationId xmlns:a16="http://schemas.microsoft.com/office/drawing/2014/main" id="{3960E837-327E-0C47-7E50-A04A920D9F5B}"/>
               </a:ext>
             </a:extLst>
           </p:cNvPr>
@@ -377,7 +377,7 @@
           <p:cNvPr id="3" name="竖排文字占位符 2">
             <a:extLst>
               <a:ext uri="{FF2B5EF4-FFF2-40B4-BE49-F238E27FC236}">
-                <a16:creationId xmlns:a16="http://schemas.microsoft.com/office/drawing/2014/main" id="{CD1C9096-ADDA-D6B0-9003-C5B0D1994D51}"/>
+                <a16:creationId xmlns:a16="http://schemas.microsoft.com/office/drawing/2014/main" id="{DB1F13C8-7AF8-B9BE-1EA0-3B3FAE1709B9}"/>
               </a:ext>
             </a:extLst>
           </p:cNvPr>
@@ -434,7 +434,7 @@
           <p:cNvPr id="4" name="日期占位符 3">
             <a:extLst>
               <a:ext uri="{FF2B5EF4-FFF2-40B4-BE49-F238E27FC236}">
-                <a16:creationId xmlns:a16="http://schemas.microsoft.com/office/drawing/2014/main" id="{331226CF-BE08-219F-D151-9022239BB39B}"/>
+                <a16:creationId xmlns:a16="http://schemas.microsoft.com/office/drawing/2014/main" id="{D5AE2D18-3500-97D4-3C12-D0C4280BED4B}"/>
               </a:ext>
             </a:extLst>
           </p:cNvPr>
@@ -450,7 +450,7 @@
           <a:bodyPr/>
           <a:lstStyle/>
           <a:p>
-            <a:fld id="{8ED8116E-D118-454E-91A2-320D90EFE5B8}" type="datetimeFigureOut">
+            <a:fld id="{6ADB3D37-4242-40B0-A9BB-B04A82A18DE7}" type="datetimeFigureOut">
               <a:rPr lang="zh-CN" altLang="en-US" smtClean="0"/>
               <a:t>2024/3/10</a:t>
             </a:fld>
@@ -463,7 +463,7 @@
           <p:cNvPr id="5" name="页脚占位符 4">
             <a:extLst>
               <a:ext uri="{FF2B5EF4-FFF2-40B4-BE49-F238E27FC236}">
-                <a16:creationId xmlns:a16="http://schemas.microsoft.com/office/drawing/2014/main" id="{C77B5EE5-ED07-276C-B06C-1F0B553956AD}"/>
+                <a16:creationId xmlns:a16="http://schemas.microsoft.com/office/drawing/2014/main" id="{6612680C-6379-68B3-D50D-0EEE0262A449}"/>
               </a:ext>
             </a:extLst>
           </p:cNvPr>
@@ -488,7 +488,7 @@
           <p:cNvPr id="6" name="灯片编号占位符 5">
             <a:extLst>
               <a:ext uri="{FF2B5EF4-FFF2-40B4-BE49-F238E27FC236}">
-                <a16:creationId xmlns:a16="http://schemas.microsoft.com/office/drawing/2014/main" id="{12DFD5B7-4A54-A4EB-0E82-53440400E551}"/>
+                <a16:creationId xmlns:a16="http://schemas.microsoft.com/office/drawing/2014/main" id="{84F51210-D69A-6E1A-839C-473142A941E5}"/>
               </a:ext>
             </a:extLst>
           </p:cNvPr>
@@ -504,7 +504,7 @@
           <a:bodyPr/>
           <a:lstStyle/>
           <a:p>
-            <a:fld id="{3ED12A52-676F-415D-8686-8AE620F36A7B}" type="slidenum">
+            <a:fld id="{85EEAC3A-673C-44AE-AB73-64D42CAD87FE}" type="slidenum">
               <a:rPr lang="zh-CN" altLang="en-US" smtClean="0"/>
               <a:t>‹#›</a:t>
             </a:fld>
@@ -515,7 +515,7 @@
     </p:spTree>
     <p:extLst>
       <p:ext uri="{BB962C8B-B14F-4D97-AF65-F5344CB8AC3E}">
-        <p14:creationId xmlns:p14="http://schemas.microsoft.com/office/powerpoint/2010/main" val="2811121108"/>
+        <p14:creationId xmlns:p14="http://schemas.microsoft.com/office/powerpoint/2010/main" val="807913431"/>
       </p:ext>
     </p:extLst>
   </p:cSld>
@@ -547,7 +547,7 @@
           <p:cNvPr id="2" name="竖排标题 1">
             <a:extLst>
               <a:ext uri="{FF2B5EF4-FFF2-40B4-BE49-F238E27FC236}">
-                <a16:creationId xmlns:a16="http://schemas.microsoft.com/office/drawing/2014/main" id="{9E9D887C-EA84-6D7D-D1B2-8004A771C52B}"/>
+                <a16:creationId xmlns:a16="http://schemas.microsoft.com/office/drawing/2014/main" id="{D71DE05F-AC56-4D61-8DA9-70B1617B4C68}"/>
               </a:ext>
             </a:extLst>
           </p:cNvPr>
@@ -580,7 +580,7 @@
           <p:cNvPr id="3" name="竖排文字占位符 2">
             <a:extLst>
               <a:ext uri="{FF2B5EF4-FFF2-40B4-BE49-F238E27FC236}">
-                <a16:creationId xmlns:a16="http://schemas.microsoft.com/office/drawing/2014/main" id="{3842F217-B0A0-1CC7-500A-F13D00FC435A}"/>
+                <a16:creationId xmlns:a16="http://schemas.microsoft.com/office/drawing/2014/main" id="{70527FF8-FC6A-A929-97D0-8315E47E8776}"/>
               </a:ext>
             </a:extLst>
           </p:cNvPr>
@@ -642,7 +642,7 @@
           <p:cNvPr id="4" name="日期占位符 3">
             <a:extLst>
               <a:ext uri="{FF2B5EF4-FFF2-40B4-BE49-F238E27FC236}">
-                <a16:creationId xmlns:a16="http://schemas.microsoft.com/office/drawing/2014/main" id="{BC2EF5D7-F2C7-6130-D55E-4B30A4854B16}"/>
+                <a16:creationId xmlns:a16="http://schemas.microsoft.com/office/drawing/2014/main" id="{D40DE22B-C3A6-9448-B92B-98E7A458527E}"/>
               </a:ext>
             </a:extLst>
           </p:cNvPr>
@@ -658,7 +658,7 @@
           <a:bodyPr/>
           <a:lstStyle/>
           <a:p>
-            <a:fld id="{8ED8116E-D118-454E-91A2-320D90EFE5B8}" type="datetimeFigureOut">
+            <a:fld id="{6ADB3D37-4242-40B0-A9BB-B04A82A18DE7}" type="datetimeFigureOut">
               <a:rPr lang="zh-CN" altLang="en-US" smtClean="0"/>
               <a:t>2024/3/10</a:t>
             </a:fld>
@@ -671,7 +671,7 @@
           <p:cNvPr id="5" name="页脚占位符 4">
             <a:extLst>
               <a:ext uri="{FF2B5EF4-FFF2-40B4-BE49-F238E27FC236}">
-                <a16:creationId xmlns:a16="http://schemas.microsoft.com/office/drawing/2014/main" id="{4DBDA852-1115-30F3-D5EF-6CE8478FDB5A}"/>
+                <a16:creationId xmlns:a16="http://schemas.microsoft.com/office/drawing/2014/main" id="{8A4B87B3-D401-9BD9-B086-A9F9D73509B9}"/>
               </a:ext>
             </a:extLst>
           </p:cNvPr>
@@ -696,7 +696,7 @@
           <p:cNvPr id="6" name="灯片编号占位符 5">
             <a:extLst>
               <a:ext uri="{FF2B5EF4-FFF2-40B4-BE49-F238E27FC236}">
-                <a16:creationId xmlns:a16="http://schemas.microsoft.com/office/drawing/2014/main" id="{74640015-76BB-B93C-D67F-2778ED1DCB49}"/>
+                <a16:creationId xmlns:a16="http://schemas.microsoft.com/office/drawing/2014/main" id="{A9E4074A-4401-0951-EEA7-FA7989B4360E}"/>
               </a:ext>
             </a:extLst>
           </p:cNvPr>
@@ -712,7 +712,7 @@
           <a:bodyPr/>
           <a:lstStyle/>
           <a:p>
-            <a:fld id="{3ED12A52-676F-415D-8686-8AE620F36A7B}" type="slidenum">
+            <a:fld id="{85EEAC3A-673C-44AE-AB73-64D42CAD87FE}" type="slidenum">
               <a:rPr lang="zh-CN" altLang="en-US" smtClean="0"/>
               <a:t>‹#›</a:t>
             </a:fld>
@@ -723,7 +723,7 @@
     </p:spTree>
     <p:extLst>
       <p:ext uri="{BB962C8B-B14F-4D97-AF65-F5344CB8AC3E}">
-        <p14:creationId xmlns:p14="http://schemas.microsoft.com/office/powerpoint/2010/main" val="2844305796"/>
+        <p14:creationId xmlns:p14="http://schemas.microsoft.com/office/powerpoint/2010/main" val="2042673026"/>
       </p:ext>
     </p:extLst>
   </p:cSld>
@@ -755,7 +755,7 @@
           <p:cNvPr id="2" name="标题 1">
             <a:extLst>
               <a:ext uri="{FF2B5EF4-FFF2-40B4-BE49-F238E27FC236}">
-                <a16:creationId xmlns:a16="http://schemas.microsoft.com/office/drawing/2014/main" id="{5252881A-ED42-6EA1-B6D0-4D89AECA31F3}"/>
+                <a16:creationId xmlns:a16="http://schemas.microsoft.com/office/drawing/2014/main" id="{035E4FFB-BBA9-B3B6-0CBF-FD6DA97843F3}"/>
               </a:ext>
             </a:extLst>
           </p:cNvPr>
@@ -783,7 +783,7 @@
           <p:cNvPr id="3" name="内容占位符 2">
             <a:extLst>
               <a:ext uri="{FF2B5EF4-FFF2-40B4-BE49-F238E27FC236}">
-                <a16:creationId xmlns:a16="http://schemas.microsoft.com/office/drawing/2014/main" id="{65712EC5-EA29-6C2B-7C03-FDD71BFD6F34}"/>
+                <a16:creationId xmlns:a16="http://schemas.microsoft.com/office/drawing/2014/main" id="{F0C07E4E-977D-1EED-5E7B-9E112E39493D}"/>
               </a:ext>
             </a:extLst>
           </p:cNvPr>
@@ -840,7 +840,7 @@
           <p:cNvPr id="4" name="日期占位符 3">
             <a:extLst>
               <a:ext uri="{FF2B5EF4-FFF2-40B4-BE49-F238E27FC236}">
-                <a16:creationId xmlns:a16="http://schemas.microsoft.com/office/drawing/2014/main" id="{C030DF98-A3AD-F22E-5629-AF005ABB69B8}"/>
+                <a16:creationId xmlns:a16="http://schemas.microsoft.com/office/drawing/2014/main" id="{59303E31-0072-B9F2-75BE-B36FC02F0DD8}"/>
               </a:ext>
             </a:extLst>
           </p:cNvPr>
@@ -856,7 +856,7 @@
           <a:bodyPr/>
           <a:lstStyle/>
           <a:p>
-            <a:fld id="{8ED8116E-D118-454E-91A2-320D90EFE5B8}" type="datetimeFigureOut">
+            <a:fld id="{6ADB3D37-4242-40B0-A9BB-B04A82A18DE7}" type="datetimeFigureOut">
               <a:rPr lang="zh-CN" altLang="en-US" smtClean="0"/>
               <a:t>2024/3/10</a:t>
             </a:fld>
@@ -869,7 +869,7 @@
           <p:cNvPr id="5" name="页脚占位符 4">
             <a:extLst>
               <a:ext uri="{FF2B5EF4-FFF2-40B4-BE49-F238E27FC236}">
-                <a16:creationId xmlns:a16="http://schemas.microsoft.com/office/drawing/2014/main" id="{C145F218-AFAB-454E-885F-930FEC9DE939}"/>
+                <a16:creationId xmlns:a16="http://schemas.microsoft.com/office/drawing/2014/main" id="{22BDADC7-C545-85A4-F4A6-70C5EF07EA50}"/>
               </a:ext>
             </a:extLst>
           </p:cNvPr>
@@ -894,7 +894,7 @@
           <p:cNvPr id="6" name="灯片编号占位符 5">
             <a:extLst>
               <a:ext uri="{FF2B5EF4-FFF2-40B4-BE49-F238E27FC236}">
-                <a16:creationId xmlns:a16="http://schemas.microsoft.com/office/drawing/2014/main" id="{AFEB4AA2-761D-E939-168D-4D17916AADF0}"/>
+                <a16:creationId xmlns:a16="http://schemas.microsoft.com/office/drawing/2014/main" id="{2A856826-925C-501E-9908-31F7A5440091}"/>
               </a:ext>
             </a:extLst>
           </p:cNvPr>
@@ -910,7 +910,7 @@
           <a:bodyPr/>
           <a:lstStyle/>
           <a:p>
-            <a:fld id="{3ED12A52-676F-415D-8686-8AE620F36A7B}" type="slidenum">
+            <a:fld id="{85EEAC3A-673C-44AE-AB73-64D42CAD87FE}" type="slidenum">
               <a:rPr lang="zh-CN" altLang="en-US" smtClean="0"/>
               <a:t>‹#›</a:t>
             </a:fld>
@@ -921,7 +921,7 @@
     </p:spTree>
     <p:extLst>
       <p:ext uri="{BB962C8B-B14F-4D97-AF65-F5344CB8AC3E}">
-        <p14:creationId xmlns:p14="http://schemas.microsoft.com/office/powerpoint/2010/main" val="1217156171"/>
+        <p14:creationId xmlns:p14="http://schemas.microsoft.com/office/powerpoint/2010/main" val="1255355770"/>
       </p:ext>
     </p:extLst>
   </p:cSld>
@@ -953,7 +953,7 @@
           <p:cNvPr id="2" name="标题 1">
             <a:extLst>
               <a:ext uri="{FF2B5EF4-FFF2-40B4-BE49-F238E27FC236}">
-                <a16:creationId xmlns:a16="http://schemas.microsoft.com/office/drawing/2014/main" id="{DAC7A869-42F5-6450-9492-59174B34D222}"/>
+                <a16:creationId xmlns:a16="http://schemas.microsoft.com/office/drawing/2014/main" id="{235BFA2A-810C-D878-823B-C2405F6F9B76}"/>
               </a:ext>
             </a:extLst>
           </p:cNvPr>
@@ -990,7 +990,7 @@
           <p:cNvPr id="3" name="文本占位符 2">
             <a:extLst>
               <a:ext uri="{FF2B5EF4-FFF2-40B4-BE49-F238E27FC236}">
-                <a16:creationId xmlns:a16="http://schemas.microsoft.com/office/drawing/2014/main" id="{E3AAD27F-01A4-873D-9961-023239CD7DBF}"/>
+                <a16:creationId xmlns:a16="http://schemas.microsoft.com/office/drawing/2014/main" id="{196CE617-3D04-201B-DB63-A868543BC799}"/>
               </a:ext>
             </a:extLst>
           </p:cNvPr>
@@ -1115,7 +1115,7 @@
           <p:cNvPr id="4" name="日期占位符 3">
             <a:extLst>
               <a:ext uri="{FF2B5EF4-FFF2-40B4-BE49-F238E27FC236}">
-                <a16:creationId xmlns:a16="http://schemas.microsoft.com/office/drawing/2014/main" id="{4453C37E-9214-C0FD-0806-19229AC2723C}"/>
+                <a16:creationId xmlns:a16="http://schemas.microsoft.com/office/drawing/2014/main" id="{A0AAC0C0-BA75-C92C-8E25-2758890E5518}"/>
               </a:ext>
             </a:extLst>
           </p:cNvPr>
@@ -1131,7 +1131,7 @@
           <a:bodyPr/>
           <a:lstStyle/>
           <a:p>
-            <a:fld id="{8ED8116E-D118-454E-91A2-320D90EFE5B8}" type="datetimeFigureOut">
+            <a:fld id="{6ADB3D37-4242-40B0-A9BB-B04A82A18DE7}" type="datetimeFigureOut">
               <a:rPr lang="zh-CN" altLang="en-US" smtClean="0"/>
               <a:t>2024/3/10</a:t>
             </a:fld>
@@ -1144,7 +1144,7 @@
           <p:cNvPr id="5" name="页脚占位符 4">
             <a:extLst>
               <a:ext uri="{FF2B5EF4-FFF2-40B4-BE49-F238E27FC236}">
-                <a16:creationId xmlns:a16="http://schemas.microsoft.com/office/drawing/2014/main" id="{E25F05C6-67FE-7A3F-C6C3-A401EA9BF008}"/>
+                <a16:creationId xmlns:a16="http://schemas.microsoft.com/office/drawing/2014/main" id="{26812290-B0B3-71AA-6D6C-C5897BE11860}"/>
               </a:ext>
             </a:extLst>
           </p:cNvPr>
@@ -1169,7 +1169,7 @@
           <p:cNvPr id="6" name="灯片编号占位符 5">
             <a:extLst>
               <a:ext uri="{FF2B5EF4-FFF2-40B4-BE49-F238E27FC236}">
-                <a16:creationId xmlns:a16="http://schemas.microsoft.com/office/drawing/2014/main" id="{F49576D6-DE19-57E9-C88F-407E52D0AD63}"/>
+                <a16:creationId xmlns:a16="http://schemas.microsoft.com/office/drawing/2014/main" id="{21C45741-5D76-987D-96A2-4AA0258E3332}"/>
               </a:ext>
             </a:extLst>
           </p:cNvPr>
@@ -1185,7 +1185,7 @@
           <a:bodyPr/>
           <a:lstStyle/>
           <a:p>
-            <a:fld id="{3ED12A52-676F-415D-8686-8AE620F36A7B}" type="slidenum">
+            <a:fld id="{85EEAC3A-673C-44AE-AB73-64D42CAD87FE}" type="slidenum">
               <a:rPr lang="zh-CN" altLang="en-US" smtClean="0"/>
               <a:t>‹#›</a:t>
             </a:fld>
@@ -1196,7 +1196,7 @@
     </p:spTree>
     <p:extLst>
       <p:ext uri="{BB962C8B-B14F-4D97-AF65-F5344CB8AC3E}">
-        <p14:creationId xmlns:p14="http://schemas.microsoft.com/office/powerpoint/2010/main" val="1307705580"/>
+        <p14:creationId xmlns:p14="http://schemas.microsoft.com/office/powerpoint/2010/main" val="1341339782"/>
       </p:ext>
     </p:extLst>
   </p:cSld>
@@ -1228,7 +1228,7 @@
           <p:cNvPr id="2" name="标题 1">
             <a:extLst>
               <a:ext uri="{FF2B5EF4-FFF2-40B4-BE49-F238E27FC236}">
-                <a16:creationId xmlns:a16="http://schemas.microsoft.com/office/drawing/2014/main" id="{5C1AF4D5-809B-0718-3DD7-C33B1D078073}"/>
+                <a16:creationId xmlns:a16="http://schemas.microsoft.com/office/drawing/2014/main" id="{DF2EB518-9F77-B1C4-5F80-92386387EFA4}"/>
               </a:ext>
             </a:extLst>
           </p:cNvPr>
@@ -1256,7 +1256,7 @@
           <p:cNvPr id="3" name="内容占位符 2">
             <a:extLst>
               <a:ext uri="{FF2B5EF4-FFF2-40B4-BE49-F238E27FC236}">
-                <a16:creationId xmlns:a16="http://schemas.microsoft.com/office/drawing/2014/main" id="{83875284-10EA-7C28-C2AE-83FA148E6335}"/>
+                <a16:creationId xmlns:a16="http://schemas.microsoft.com/office/drawing/2014/main" id="{BD0CB920-E12E-5D64-776B-2E8B43A33923}"/>
               </a:ext>
             </a:extLst>
           </p:cNvPr>
@@ -1318,7 +1318,7 @@
           <p:cNvPr id="4" name="内容占位符 3">
             <a:extLst>
               <a:ext uri="{FF2B5EF4-FFF2-40B4-BE49-F238E27FC236}">
-                <a16:creationId xmlns:a16="http://schemas.microsoft.com/office/drawing/2014/main" id="{F92E6232-D0D2-7979-4746-90600973AFED}"/>
+                <a16:creationId xmlns:a16="http://schemas.microsoft.com/office/drawing/2014/main" id="{E3BB06F3-2CED-1E10-D10B-EFB24C5C4E32}"/>
               </a:ext>
             </a:extLst>
           </p:cNvPr>
@@ -1380,7 +1380,7 @@
           <p:cNvPr id="5" name="日期占位符 4">
             <a:extLst>
               <a:ext uri="{FF2B5EF4-FFF2-40B4-BE49-F238E27FC236}">
-                <a16:creationId xmlns:a16="http://schemas.microsoft.com/office/drawing/2014/main" id="{167681F3-DEC0-EBBA-F9E9-6AAEF4B466B3}"/>
+                <a16:creationId xmlns:a16="http://schemas.microsoft.com/office/drawing/2014/main" id="{86C59FF3-DF16-65E4-6A2F-8E56C0EF81FB}"/>
               </a:ext>
             </a:extLst>
           </p:cNvPr>
@@ -1396,7 +1396,7 @@
           <a:bodyPr/>
           <a:lstStyle/>
           <a:p>
-            <a:fld id="{8ED8116E-D118-454E-91A2-320D90EFE5B8}" type="datetimeFigureOut">
+            <a:fld id="{6ADB3D37-4242-40B0-A9BB-B04A82A18DE7}" type="datetimeFigureOut">
               <a:rPr lang="zh-CN" altLang="en-US" smtClean="0"/>
               <a:t>2024/3/10</a:t>
             </a:fld>
@@ -1409,7 +1409,7 @@
           <p:cNvPr id="6" name="页脚占位符 5">
             <a:extLst>
               <a:ext uri="{FF2B5EF4-FFF2-40B4-BE49-F238E27FC236}">
-                <a16:creationId xmlns:a16="http://schemas.microsoft.com/office/drawing/2014/main" id="{099E90DE-8CDB-DB8F-1524-41453D24FB9B}"/>
+                <a16:creationId xmlns:a16="http://schemas.microsoft.com/office/drawing/2014/main" id="{28AB1E29-556C-EDBB-4ED4-29B1F93C12D8}"/>
               </a:ext>
             </a:extLst>
           </p:cNvPr>
@@ -1434,7 +1434,7 @@
           <p:cNvPr id="7" name="灯片编号占位符 6">
             <a:extLst>
               <a:ext uri="{FF2B5EF4-FFF2-40B4-BE49-F238E27FC236}">
-                <a16:creationId xmlns:a16="http://schemas.microsoft.com/office/drawing/2014/main" id="{78518DFD-DA22-15D9-0DA5-4BCE3288A72E}"/>
+                <a16:creationId xmlns:a16="http://schemas.microsoft.com/office/drawing/2014/main" id="{B963537F-7886-D984-A879-0DB7FB47A77A}"/>
               </a:ext>
             </a:extLst>
           </p:cNvPr>
@@ -1450,7 +1450,7 @@
           <a:bodyPr/>
           <a:lstStyle/>
           <a:p>
-            <a:fld id="{3ED12A52-676F-415D-8686-8AE620F36A7B}" type="slidenum">
+            <a:fld id="{85EEAC3A-673C-44AE-AB73-64D42CAD87FE}" type="slidenum">
               <a:rPr lang="zh-CN" altLang="en-US" smtClean="0"/>
               <a:t>‹#›</a:t>
             </a:fld>
@@ -1461,7 +1461,7 @@
     </p:spTree>
     <p:extLst>
       <p:ext uri="{BB962C8B-B14F-4D97-AF65-F5344CB8AC3E}">
-        <p14:creationId xmlns:p14="http://schemas.microsoft.com/office/powerpoint/2010/main" val="257591309"/>
+        <p14:creationId xmlns:p14="http://schemas.microsoft.com/office/powerpoint/2010/main" val="2131523080"/>
       </p:ext>
     </p:extLst>
   </p:cSld>
@@ -1493,7 +1493,7 @@
           <p:cNvPr id="2" name="标题 1">
             <a:extLst>
               <a:ext uri="{FF2B5EF4-FFF2-40B4-BE49-F238E27FC236}">
-                <a16:creationId xmlns:a16="http://schemas.microsoft.com/office/drawing/2014/main" id="{6E6BDD2C-BBC5-2332-46A1-2986198C3DF2}"/>
+                <a16:creationId xmlns:a16="http://schemas.microsoft.com/office/drawing/2014/main" id="{4D942F8B-DB0A-D62D-CFB1-839291045EEC}"/>
               </a:ext>
             </a:extLst>
           </p:cNvPr>
@@ -1526,7 +1526,7 @@
           <p:cNvPr id="3" name="文本占位符 2">
             <a:extLst>
               <a:ext uri="{FF2B5EF4-FFF2-40B4-BE49-F238E27FC236}">
-                <a16:creationId xmlns:a16="http://schemas.microsoft.com/office/drawing/2014/main" id="{BE3A631A-6E14-8FB4-F5AC-C9C143119F65}"/>
+                <a16:creationId xmlns:a16="http://schemas.microsoft.com/office/drawing/2014/main" id="{8A109463-E1B2-5F68-1F7A-A7EB87273847}"/>
               </a:ext>
             </a:extLst>
           </p:cNvPr>
@@ -1597,7 +1597,7 @@
           <p:cNvPr id="4" name="内容占位符 3">
             <a:extLst>
               <a:ext uri="{FF2B5EF4-FFF2-40B4-BE49-F238E27FC236}">
-                <a16:creationId xmlns:a16="http://schemas.microsoft.com/office/drawing/2014/main" id="{40B4E767-8080-C2F6-E17E-8D2B08846B4D}"/>
+                <a16:creationId xmlns:a16="http://schemas.microsoft.com/office/drawing/2014/main" id="{12F2A93A-14DF-F8F6-1492-4D08A41BBBD1}"/>
               </a:ext>
             </a:extLst>
           </p:cNvPr>
@@ -1659,7 +1659,7 @@
           <p:cNvPr id="5" name="文本占位符 4">
             <a:extLst>
               <a:ext uri="{FF2B5EF4-FFF2-40B4-BE49-F238E27FC236}">
-                <a16:creationId xmlns:a16="http://schemas.microsoft.com/office/drawing/2014/main" id="{E9FA89EB-7335-5A95-631D-EBBFEC426B63}"/>
+                <a16:creationId xmlns:a16="http://schemas.microsoft.com/office/drawing/2014/main" id="{3F2541BE-4CDF-88F9-6944-0C9FA474AC89}"/>
               </a:ext>
             </a:extLst>
           </p:cNvPr>
@@ -1730,7 +1730,7 @@
           <p:cNvPr id="6" name="内容占位符 5">
             <a:extLst>
               <a:ext uri="{FF2B5EF4-FFF2-40B4-BE49-F238E27FC236}">
-                <a16:creationId xmlns:a16="http://schemas.microsoft.com/office/drawing/2014/main" id="{502FFFE6-8533-9FDF-ED9D-438081E7F667}"/>
+                <a16:creationId xmlns:a16="http://schemas.microsoft.com/office/drawing/2014/main" id="{556A22DB-379E-E26F-49B8-450C9BCB39A1}"/>
               </a:ext>
             </a:extLst>
           </p:cNvPr>
@@ -1792,7 +1792,7 @@
           <p:cNvPr id="7" name="日期占位符 6">
             <a:extLst>
               <a:ext uri="{FF2B5EF4-FFF2-40B4-BE49-F238E27FC236}">
-                <a16:creationId xmlns:a16="http://schemas.microsoft.com/office/drawing/2014/main" id="{0DEF9EB9-2D3C-B991-FA8C-81456F65AAEC}"/>
+                <a16:creationId xmlns:a16="http://schemas.microsoft.com/office/drawing/2014/main" id="{C42551B7-C9EB-2266-1178-32F6311E4C4F}"/>
               </a:ext>
             </a:extLst>
           </p:cNvPr>
@@ -1808,7 +1808,7 @@
           <a:bodyPr/>
           <a:lstStyle/>
           <a:p>
-            <a:fld id="{8ED8116E-D118-454E-91A2-320D90EFE5B8}" type="datetimeFigureOut">
+            <a:fld id="{6ADB3D37-4242-40B0-A9BB-B04A82A18DE7}" type="datetimeFigureOut">
               <a:rPr lang="zh-CN" altLang="en-US" smtClean="0"/>
               <a:t>2024/3/10</a:t>
             </a:fld>
@@ -1821,7 +1821,7 @@
           <p:cNvPr id="8" name="页脚占位符 7">
             <a:extLst>
               <a:ext uri="{FF2B5EF4-FFF2-40B4-BE49-F238E27FC236}">
-                <a16:creationId xmlns:a16="http://schemas.microsoft.com/office/drawing/2014/main" id="{7394BD81-80B9-CC20-0E7D-F28F49F417A8}"/>
+                <a16:creationId xmlns:a16="http://schemas.microsoft.com/office/drawing/2014/main" id="{8F3FEC22-F3E8-6D49-89EE-BFC8EFCCBA66}"/>
               </a:ext>
             </a:extLst>
           </p:cNvPr>
@@ -1846,7 +1846,7 @@
           <p:cNvPr id="9" name="灯片编号占位符 8">
             <a:extLst>
               <a:ext uri="{FF2B5EF4-FFF2-40B4-BE49-F238E27FC236}">
-                <a16:creationId xmlns:a16="http://schemas.microsoft.com/office/drawing/2014/main" id="{0ABD0835-1E30-93F2-DF43-35023881DA22}"/>
+                <a16:creationId xmlns:a16="http://schemas.microsoft.com/office/drawing/2014/main" id="{6FC8CC6A-52E3-AD8A-739A-A3DF042D1F59}"/>
               </a:ext>
             </a:extLst>
           </p:cNvPr>
@@ -1862,7 +1862,7 @@
           <a:bodyPr/>
           <a:lstStyle/>
           <a:p>
-            <a:fld id="{3ED12A52-676F-415D-8686-8AE620F36A7B}" type="slidenum">
+            <a:fld id="{85EEAC3A-673C-44AE-AB73-64D42CAD87FE}" type="slidenum">
               <a:rPr lang="zh-CN" altLang="en-US" smtClean="0"/>
               <a:t>‹#›</a:t>
             </a:fld>
@@ -1873,7 +1873,7 @@
     </p:spTree>
     <p:extLst>
       <p:ext uri="{BB962C8B-B14F-4D97-AF65-F5344CB8AC3E}">
-        <p14:creationId xmlns:p14="http://schemas.microsoft.com/office/powerpoint/2010/main" val="2729820783"/>
+        <p14:creationId xmlns:p14="http://schemas.microsoft.com/office/powerpoint/2010/main" val="1719742114"/>
       </p:ext>
     </p:extLst>
   </p:cSld>
@@ -1905,7 +1905,7 @@
           <p:cNvPr id="2" name="标题 1">
             <a:extLst>
               <a:ext uri="{FF2B5EF4-FFF2-40B4-BE49-F238E27FC236}">
-                <a16:creationId xmlns:a16="http://schemas.microsoft.com/office/drawing/2014/main" id="{2FF822BC-504A-8709-0374-CDFE2BB1142D}"/>
+                <a16:creationId xmlns:a16="http://schemas.microsoft.com/office/drawing/2014/main" id="{821BA15C-5E35-4904-E7B3-736B6BC46BC2}"/>
               </a:ext>
             </a:extLst>
           </p:cNvPr>
@@ -1933,7 +1933,7 @@
           <p:cNvPr id="3" name="日期占位符 2">
             <a:extLst>
               <a:ext uri="{FF2B5EF4-FFF2-40B4-BE49-F238E27FC236}">
-                <a16:creationId xmlns:a16="http://schemas.microsoft.com/office/drawing/2014/main" id="{F7ABAAB3-098B-7E57-81A6-DBEA3620F51D}"/>
+                <a16:creationId xmlns:a16="http://schemas.microsoft.com/office/drawing/2014/main" id="{1EDDECE8-E153-5701-D538-709C4AEF49D8}"/>
               </a:ext>
             </a:extLst>
           </p:cNvPr>
@@ -1949,7 +1949,7 @@
           <a:bodyPr/>
           <a:lstStyle/>
           <a:p>
-            <a:fld id="{8ED8116E-D118-454E-91A2-320D90EFE5B8}" type="datetimeFigureOut">
+            <a:fld id="{6ADB3D37-4242-40B0-A9BB-B04A82A18DE7}" type="datetimeFigureOut">
               <a:rPr lang="zh-CN" altLang="en-US" smtClean="0"/>
               <a:t>2024/3/10</a:t>
             </a:fld>
@@ -1962,7 +1962,7 @@
           <p:cNvPr id="4" name="页脚占位符 3">
             <a:extLst>
               <a:ext uri="{FF2B5EF4-FFF2-40B4-BE49-F238E27FC236}">
-                <a16:creationId xmlns:a16="http://schemas.microsoft.com/office/drawing/2014/main" id="{101BB278-9669-55A7-7937-1EF41723FFAA}"/>
+                <a16:creationId xmlns:a16="http://schemas.microsoft.com/office/drawing/2014/main" id="{75E81307-BFF0-CA58-4C48-ACC70AA2A3C0}"/>
               </a:ext>
             </a:extLst>
           </p:cNvPr>
@@ -1987,7 +1987,7 @@
           <p:cNvPr id="5" name="灯片编号占位符 4">
             <a:extLst>
               <a:ext uri="{FF2B5EF4-FFF2-40B4-BE49-F238E27FC236}">
-                <a16:creationId xmlns:a16="http://schemas.microsoft.com/office/drawing/2014/main" id="{67A74F2B-A980-D28E-166F-DEDC7BA0466E}"/>
+                <a16:creationId xmlns:a16="http://schemas.microsoft.com/office/drawing/2014/main" id="{9BF5BBB7-720F-02E1-4739-1EEEEC5AFD26}"/>
               </a:ext>
             </a:extLst>
           </p:cNvPr>
@@ -2003,7 +2003,7 @@
           <a:bodyPr/>
           <a:lstStyle/>
           <a:p>
-            <a:fld id="{3ED12A52-676F-415D-8686-8AE620F36A7B}" type="slidenum">
+            <a:fld id="{85EEAC3A-673C-44AE-AB73-64D42CAD87FE}" type="slidenum">
               <a:rPr lang="zh-CN" altLang="en-US" smtClean="0"/>
               <a:t>‹#›</a:t>
             </a:fld>
@@ -2014,7 +2014,7 @@
     </p:spTree>
     <p:extLst>
       <p:ext uri="{BB962C8B-B14F-4D97-AF65-F5344CB8AC3E}">
-        <p14:creationId xmlns:p14="http://schemas.microsoft.com/office/powerpoint/2010/main" val="784914177"/>
+        <p14:creationId xmlns:p14="http://schemas.microsoft.com/office/powerpoint/2010/main" val="2924927156"/>
       </p:ext>
     </p:extLst>
   </p:cSld>
@@ -2046,7 +2046,7 @@
           <p:cNvPr id="2" name="日期占位符 1">
             <a:extLst>
               <a:ext uri="{FF2B5EF4-FFF2-40B4-BE49-F238E27FC236}">
-                <a16:creationId xmlns:a16="http://schemas.microsoft.com/office/drawing/2014/main" id="{D20DC213-0C95-AE90-3851-9E3C5A79F37E}"/>
+                <a16:creationId xmlns:a16="http://schemas.microsoft.com/office/drawing/2014/main" id="{73949103-168C-B324-DFE7-320A7BA359ED}"/>
               </a:ext>
             </a:extLst>
           </p:cNvPr>
@@ -2062,7 +2062,7 @@
           <a:bodyPr/>
           <a:lstStyle/>
           <a:p>
-            <a:fld id="{8ED8116E-D118-454E-91A2-320D90EFE5B8}" type="datetimeFigureOut">
+            <a:fld id="{6ADB3D37-4242-40B0-A9BB-B04A82A18DE7}" type="datetimeFigureOut">
               <a:rPr lang="zh-CN" altLang="en-US" smtClean="0"/>
               <a:t>2024/3/10</a:t>
             </a:fld>
@@ -2075,7 +2075,7 @@
           <p:cNvPr id="3" name="页脚占位符 2">
             <a:extLst>
               <a:ext uri="{FF2B5EF4-FFF2-40B4-BE49-F238E27FC236}">
-                <a16:creationId xmlns:a16="http://schemas.microsoft.com/office/drawing/2014/main" id="{59A9E670-9F16-7574-91BE-C794554C88EB}"/>
+                <a16:creationId xmlns:a16="http://schemas.microsoft.com/office/drawing/2014/main" id="{9344144F-5D7E-02ED-6C43-22961150F9C4}"/>
               </a:ext>
             </a:extLst>
           </p:cNvPr>
@@ -2100,7 +2100,7 @@
           <p:cNvPr id="4" name="灯片编号占位符 3">
             <a:extLst>
               <a:ext uri="{FF2B5EF4-FFF2-40B4-BE49-F238E27FC236}">
-                <a16:creationId xmlns:a16="http://schemas.microsoft.com/office/drawing/2014/main" id="{3FB15DC3-F0D5-D7BF-804A-30807C8B573C}"/>
+                <a16:creationId xmlns:a16="http://schemas.microsoft.com/office/drawing/2014/main" id="{976F5FED-E5DE-3318-3D9F-1A2C848E3D51}"/>
               </a:ext>
             </a:extLst>
           </p:cNvPr>
@@ -2116,7 +2116,7 @@
           <a:bodyPr/>
           <a:lstStyle/>
           <a:p>
-            <a:fld id="{3ED12A52-676F-415D-8686-8AE620F36A7B}" type="slidenum">
+            <a:fld id="{85EEAC3A-673C-44AE-AB73-64D42CAD87FE}" type="slidenum">
               <a:rPr lang="zh-CN" altLang="en-US" smtClean="0"/>
               <a:t>‹#›</a:t>
             </a:fld>
@@ -2127,7 +2127,7 @@
     </p:spTree>
     <p:extLst>
       <p:ext uri="{BB962C8B-B14F-4D97-AF65-F5344CB8AC3E}">
-        <p14:creationId xmlns:p14="http://schemas.microsoft.com/office/powerpoint/2010/main" val="539544957"/>
+        <p14:creationId xmlns:p14="http://schemas.microsoft.com/office/powerpoint/2010/main" val="4123115231"/>
       </p:ext>
     </p:extLst>
   </p:cSld>
@@ -2159,7 +2159,7 @@
           <p:cNvPr id="2" name="标题 1">
             <a:extLst>
               <a:ext uri="{FF2B5EF4-FFF2-40B4-BE49-F238E27FC236}">
-                <a16:creationId xmlns:a16="http://schemas.microsoft.com/office/drawing/2014/main" id="{A04E1CC6-E44D-F9C8-89F8-E2EB643A449D}"/>
+                <a16:creationId xmlns:a16="http://schemas.microsoft.com/office/drawing/2014/main" id="{3C4BD9B0-3CB7-9E20-C2EA-A3B0AE1DD997}"/>
               </a:ext>
             </a:extLst>
           </p:cNvPr>
@@ -2196,7 +2196,7 @@
           <p:cNvPr id="3" name="内容占位符 2">
             <a:extLst>
               <a:ext uri="{FF2B5EF4-FFF2-40B4-BE49-F238E27FC236}">
-                <a16:creationId xmlns:a16="http://schemas.microsoft.com/office/drawing/2014/main" id="{76C69E55-DFD8-6690-E9A9-9F66050C7641}"/>
+                <a16:creationId xmlns:a16="http://schemas.microsoft.com/office/drawing/2014/main" id="{A6CA4D66-1FA9-D8DD-2D81-CA45AD9FF099}"/>
               </a:ext>
             </a:extLst>
           </p:cNvPr>
@@ -2286,7 +2286,7 @@
           <p:cNvPr id="4" name="文本占位符 3">
             <a:extLst>
               <a:ext uri="{FF2B5EF4-FFF2-40B4-BE49-F238E27FC236}">
-                <a16:creationId xmlns:a16="http://schemas.microsoft.com/office/drawing/2014/main" id="{63C3018E-119D-C015-2651-2AAAB30A08CA}"/>
+                <a16:creationId xmlns:a16="http://schemas.microsoft.com/office/drawing/2014/main" id="{608C8C71-1537-5CFD-C43C-A48B2DD428B8}"/>
               </a:ext>
             </a:extLst>
           </p:cNvPr>
@@ -2357,7 +2357,7 @@
           <p:cNvPr id="5" name="日期占位符 4">
             <a:extLst>
               <a:ext uri="{FF2B5EF4-FFF2-40B4-BE49-F238E27FC236}">
-                <a16:creationId xmlns:a16="http://schemas.microsoft.com/office/drawing/2014/main" id="{C77D1B67-45A6-2644-79B1-9C68AC1F2F05}"/>
+                <a16:creationId xmlns:a16="http://schemas.microsoft.com/office/drawing/2014/main" id="{41941379-5A52-F98E-D389-558D13726EDB}"/>
               </a:ext>
             </a:extLst>
           </p:cNvPr>
@@ -2373,7 +2373,7 @@
           <a:bodyPr/>
           <a:lstStyle/>
           <a:p>
-            <a:fld id="{8ED8116E-D118-454E-91A2-320D90EFE5B8}" type="datetimeFigureOut">
+            <a:fld id="{6ADB3D37-4242-40B0-A9BB-B04A82A18DE7}" type="datetimeFigureOut">
               <a:rPr lang="zh-CN" altLang="en-US" smtClean="0"/>
               <a:t>2024/3/10</a:t>
             </a:fld>
@@ -2386,7 +2386,7 @@
           <p:cNvPr id="6" name="页脚占位符 5">
             <a:extLst>
               <a:ext uri="{FF2B5EF4-FFF2-40B4-BE49-F238E27FC236}">
-                <a16:creationId xmlns:a16="http://schemas.microsoft.com/office/drawing/2014/main" id="{E58EC43A-8886-6AA0-F411-7398DBA06EF6}"/>
+                <a16:creationId xmlns:a16="http://schemas.microsoft.com/office/drawing/2014/main" id="{C70BC266-6BAD-DCBF-0A88-3833681ABCC5}"/>
               </a:ext>
             </a:extLst>
           </p:cNvPr>
@@ -2411,7 +2411,7 @@
           <p:cNvPr id="7" name="灯片编号占位符 6">
             <a:extLst>
               <a:ext uri="{FF2B5EF4-FFF2-40B4-BE49-F238E27FC236}">
-                <a16:creationId xmlns:a16="http://schemas.microsoft.com/office/drawing/2014/main" id="{AAB78CE8-B704-6F10-FBD7-E74F9AAA6714}"/>
+                <a16:creationId xmlns:a16="http://schemas.microsoft.com/office/drawing/2014/main" id="{E54041CD-226E-1271-E77C-456DABE69109}"/>
               </a:ext>
             </a:extLst>
           </p:cNvPr>
@@ -2427,7 +2427,7 @@
           <a:bodyPr/>
           <a:lstStyle/>
           <a:p>
-            <a:fld id="{3ED12A52-676F-415D-8686-8AE620F36A7B}" type="slidenum">
+            <a:fld id="{85EEAC3A-673C-44AE-AB73-64D42CAD87FE}" type="slidenum">
               <a:rPr lang="zh-CN" altLang="en-US" smtClean="0"/>
               <a:t>‹#›</a:t>
             </a:fld>
@@ -2438,7 +2438,7 @@
     </p:spTree>
     <p:extLst>
       <p:ext uri="{BB962C8B-B14F-4D97-AF65-F5344CB8AC3E}">
-        <p14:creationId xmlns:p14="http://schemas.microsoft.com/office/powerpoint/2010/main" val="3382520210"/>
+        <p14:creationId xmlns:p14="http://schemas.microsoft.com/office/powerpoint/2010/main" val="1337254508"/>
       </p:ext>
     </p:extLst>
   </p:cSld>
@@ -2470,7 +2470,7 @@
           <p:cNvPr id="2" name="标题 1">
             <a:extLst>
               <a:ext uri="{FF2B5EF4-FFF2-40B4-BE49-F238E27FC236}">
-                <a16:creationId xmlns:a16="http://schemas.microsoft.com/office/drawing/2014/main" id="{2EEC129D-67F5-FE4E-D9F6-5F87848FC78E}"/>
+                <a16:creationId xmlns:a16="http://schemas.microsoft.com/office/drawing/2014/main" id="{ACEB6F2B-9A8F-4376-077B-06F4A8CC8C4B}"/>
               </a:ext>
             </a:extLst>
           </p:cNvPr>
@@ -2507,7 +2507,7 @@
           <p:cNvPr id="3" name="图片占位符 2">
             <a:extLst>
               <a:ext uri="{FF2B5EF4-FFF2-40B4-BE49-F238E27FC236}">
-                <a16:creationId xmlns:a16="http://schemas.microsoft.com/office/drawing/2014/main" id="{70DFA690-02B9-8F79-EC5E-BD4E420695A5}"/>
+                <a16:creationId xmlns:a16="http://schemas.microsoft.com/office/drawing/2014/main" id="{0E11A15B-0AEF-FFC0-D019-756791F034E1}"/>
               </a:ext>
             </a:extLst>
           </p:cNvPr>
@@ -2574,7 +2574,7 @@
           <p:cNvPr id="4" name="文本占位符 3">
             <a:extLst>
               <a:ext uri="{FF2B5EF4-FFF2-40B4-BE49-F238E27FC236}">
-                <a16:creationId xmlns:a16="http://schemas.microsoft.com/office/drawing/2014/main" id="{C5A4BAE8-82F2-DD02-BE30-2C68E1F85470}"/>
+                <a16:creationId xmlns:a16="http://schemas.microsoft.com/office/drawing/2014/main" id="{5B99DC5E-8D63-D759-FE2E-E7EA4F03D3DA}"/>
               </a:ext>
             </a:extLst>
           </p:cNvPr>
@@ -2645,7 +2645,7 @@
           <p:cNvPr id="5" name="日期占位符 4">
             <a:extLst>
               <a:ext uri="{FF2B5EF4-FFF2-40B4-BE49-F238E27FC236}">
-                <a16:creationId xmlns:a16="http://schemas.microsoft.com/office/drawing/2014/main" id="{8D2D0974-DA27-5D19-1F8D-28342F229504}"/>
+                <a16:creationId xmlns:a16="http://schemas.microsoft.com/office/drawing/2014/main" id="{BBCA4248-6AE9-5A48-633B-758543DA1403}"/>
               </a:ext>
             </a:extLst>
           </p:cNvPr>
@@ -2661,7 +2661,7 @@
           <a:bodyPr/>
           <a:lstStyle/>
           <a:p>
-            <a:fld id="{8ED8116E-D118-454E-91A2-320D90EFE5B8}" type="datetimeFigureOut">
+            <a:fld id="{6ADB3D37-4242-40B0-A9BB-B04A82A18DE7}" type="datetimeFigureOut">
               <a:rPr lang="zh-CN" altLang="en-US" smtClean="0"/>
               <a:t>2024/3/10</a:t>
             </a:fld>
@@ -2674,7 +2674,7 @@
           <p:cNvPr id="6" name="页脚占位符 5">
             <a:extLst>
               <a:ext uri="{FF2B5EF4-FFF2-40B4-BE49-F238E27FC236}">
-                <a16:creationId xmlns:a16="http://schemas.microsoft.com/office/drawing/2014/main" id="{44A4F0E2-4E09-12FC-D56C-EFF4BEED2EC4}"/>
+                <a16:creationId xmlns:a16="http://schemas.microsoft.com/office/drawing/2014/main" id="{BF6F89B1-8992-B36C-1B00-C905D77E1FE5}"/>
               </a:ext>
             </a:extLst>
           </p:cNvPr>
@@ -2699,7 +2699,7 @@
           <p:cNvPr id="7" name="灯片编号占位符 6">
             <a:extLst>
               <a:ext uri="{FF2B5EF4-FFF2-40B4-BE49-F238E27FC236}">
-                <a16:creationId xmlns:a16="http://schemas.microsoft.com/office/drawing/2014/main" id="{11D29951-5EDF-147C-A66D-8D7EE4B72830}"/>
+                <a16:creationId xmlns:a16="http://schemas.microsoft.com/office/drawing/2014/main" id="{39D1DE76-21E6-21D2-697A-B90E4CFAFB36}"/>
               </a:ext>
             </a:extLst>
           </p:cNvPr>
@@ -2715,7 +2715,7 @@
           <a:bodyPr/>
           <a:lstStyle/>
           <a:p>
-            <a:fld id="{3ED12A52-676F-415D-8686-8AE620F36A7B}" type="slidenum">
+            <a:fld id="{85EEAC3A-673C-44AE-AB73-64D42CAD87FE}" type="slidenum">
               <a:rPr lang="zh-CN" altLang="en-US" smtClean="0"/>
               <a:t>‹#›</a:t>
             </a:fld>
@@ -2726,7 +2726,7 @@
     </p:spTree>
     <p:extLst>
       <p:ext uri="{BB962C8B-B14F-4D97-AF65-F5344CB8AC3E}">
-        <p14:creationId xmlns:p14="http://schemas.microsoft.com/office/powerpoint/2010/main" val="2588837078"/>
+        <p14:creationId xmlns:p14="http://schemas.microsoft.com/office/powerpoint/2010/main" val="3098045193"/>
       </p:ext>
     </p:extLst>
   </p:cSld>
@@ -2763,7 +2763,7 @@
           <p:cNvPr id="2" name="标题占位符 1">
             <a:extLst>
               <a:ext uri="{FF2B5EF4-FFF2-40B4-BE49-F238E27FC236}">
-                <a16:creationId xmlns:a16="http://schemas.microsoft.com/office/drawing/2014/main" id="{0439038D-B5C1-9995-FF53-3F095937E1F1}"/>
+                <a16:creationId xmlns:a16="http://schemas.microsoft.com/office/drawing/2014/main" id="{714AF2E3-5DE5-9A79-D4F4-D0B77D16D13A}"/>
               </a:ext>
             </a:extLst>
           </p:cNvPr>
@@ -2801,7 +2801,7 @@
           <p:cNvPr id="3" name="文本占位符 2">
             <a:extLst>
               <a:ext uri="{FF2B5EF4-FFF2-40B4-BE49-F238E27FC236}">
-                <a16:creationId xmlns:a16="http://schemas.microsoft.com/office/drawing/2014/main" id="{E3C756C7-7E9A-6191-892F-FD28A4E0D20A}"/>
+                <a16:creationId xmlns:a16="http://schemas.microsoft.com/office/drawing/2014/main" id="{72767D4F-1BAB-E39B-75DE-213791CBB112}"/>
               </a:ext>
             </a:extLst>
           </p:cNvPr>
@@ -2868,7 +2868,7 @@
           <p:cNvPr id="4" name="日期占位符 3">
             <a:extLst>
               <a:ext uri="{FF2B5EF4-FFF2-40B4-BE49-F238E27FC236}">
-                <a16:creationId xmlns:a16="http://schemas.microsoft.com/office/drawing/2014/main" id="{42657162-C88F-47DB-D210-3E4F75F155DC}"/>
+                <a16:creationId xmlns:a16="http://schemas.microsoft.com/office/drawing/2014/main" id="{C176B951-E532-99FF-7046-F666159FF2B0}"/>
               </a:ext>
             </a:extLst>
           </p:cNvPr>
@@ -2902,7 +2902,7 @@
             </a:lvl1pPr>
           </a:lstStyle>
           <a:p>
-            <a:fld id="{8ED8116E-D118-454E-91A2-320D90EFE5B8}" type="datetimeFigureOut">
+            <a:fld id="{6ADB3D37-4242-40B0-A9BB-B04A82A18DE7}" type="datetimeFigureOut">
               <a:rPr lang="zh-CN" altLang="en-US" smtClean="0"/>
               <a:t>2024/3/10</a:t>
             </a:fld>
@@ -2915,7 +2915,7 @@
           <p:cNvPr id="5" name="页脚占位符 4">
             <a:extLst>
               <a:ext uri="{FF2B5EF4-FFF2-40B4-BE49-F238E27FC236}">
-                <a16:creationId xmlns:a16="http://schemas.microsoft.com/office/drawing/2014/main" id="{6BFE67EF-38B8-7148-2D82-94099D778784}"/>
+                <a16:creationId xmlns:a16="http://schemas.microsoft.com/office/drawing/2014/main" id="{48C7443B-0675-699F-2719-F47D0B3BC552}"/>
               </a:ext>
             </a:extLst>
           </p:cNvPr>
@@ -2958,7 +2958,7 @@
           <p:cNvPr id="6" name="灯片编号占位符 5">
             <a:extLst>
               <a:ext uri="{FF2B5EF4-FFF2-40B4-BE49-F238E27FC236}">
-                <a16:creationId xmlns:a16="http://schemas.microsoft.com/office/drawing/2014/main" id="{2525DF18-77F8-96BA-6546-2AF3F930321E}"/>
+                <a16:creationId xmlns:a16="http://schemas.microsoft.com/office/drawing/2014/main" id="{A75A29FD-800D-1784-AA6A-6C6F6F9DD29B}"/>
               </a:ext>
             </a:extLst>
           </p:cNvPr>
@@ -2992,7 +2992,7 @@
             </a:lvl1pPr>
           </a:lstStyle>
           <a:p>
-            <a:fld id="{3ED12A52-676F-415D-8686-8AE620F36A7B}" type="slidenum">
+            <a:fld id="{85EEAC3A-673C-44AE-AB73-64D42CAD87FE}" type="slidenum">
               <a:rPr lang="zh-CN" altLang="en-US" smtClean="0"/>
               <a:t>‹#›</a:t>
             </a:fld>
@@ -3003,7 +3003,7 @@
     </p:spTree>
     <p:extLst>
       <p:ext uri="{BB962C8B-B14F-4D97-AF65-F5344CB8AC3E}">
-        <p14:creationId xmlns:p14="http://schemas.microsoft.com/office/powerpoint/2010/main" val="570614516"/>
+        <p14:creationId xmlns:p14="http://schemas.microsoft.com/office/powerpoint/2010/main" val="551865995"/>
       </p:ext>
     </p:extLst>
   </p:cSld>
